--- a/Documents/ClaimCycle/Dataflows/axium.pptx
+++ b/Documents/ClaimCycle/Dataflows/axium.pptx
@@ -3201,6 +3201,98 @@
           <a:xfrm rot="16200000" flipH="1">
             <a:off x="971550" y="1009650"/>
             <a:ext cx="1181100" cy="990600"/>
+          </a:xfrm>
+          <a:prstGeom prst="bentConnector2">
+            <a:avLst/>
+          </a:prstGeom>
+          <a:ln w="50800">
+            <a:tailEnd type="arrow"/>
+          </a:ln>
+          <a:effectLst>
+            <a:outerShdw blurRad="50800" dist="50800" dir="5400000" algn="ctr" rotWithShape="0">
+              <a:schemeClr val="bg1">
+                <a:lumMod val="65000"/>
+              </a:schemeClr>
+            </a:outerShdw>
+          </a:effectLst>
+        </p:spPr>
+        <p:style>
+          <a:lnRef idx="1">
+            <a:schemeClr val="accent1"/>
+          </a:lnRef>
+          <a:fillRef idx="0">
+            <a:schemeClr val="accent1"/>
+          </a:fillRef>
+          <a:effectRef idx="0">
+            <a:schemeClr val="accent1"/>
+          </a:effectRef>
+          <a:fontRef idx="minor">
+            <a:schemeClr val="tx1"/>
+          </a:fontRef>
+        </p:style>
+      </p:cxnSp>
+      <p:sp>
+        <p:nvSpPr>
+          <p:cNvPr id="5" name="Rectangle 4"/>
+          <p:cNvSpPr/>
+          <p:nvPr/>
+        </p:nvSpPr>
+        <p:spPr>
+          <a:xfrm>
+            <a:off x="2057400" y="2819400"/>
+            <a:ext cx="1371600" cy="685800"/>
+          </a:xfrm>
+          <a:prstGeom prst="rect">
+            <a:avLst/>
+          </a:prstGeom>
+        </p:spPr>
+        <p:style>
+          <a:lnRef idx="1">
+            <a:schemeClr val="dk1"/>
+          </a:lnRef>
+          <a:fillRef idx="2">
+            <a:schemeClr val="dk1"/>
+          </a:fillRef>
+          <a:effectRef idx="1">
+            <a:schemeClr val="dk1"/>
+          </a:effectRef>
+          <a:fontRef idx="minor">
+            <a:schemeClr val="dk1"/>
+          </a:fontRef>
+        </p:style>
+        <p:txBody>
+          <a:bodyPr rtlCol="0" anchor="ctr"/>
+          <a:lstStyle/>
+          <a:p>
+            <a:pPr algn="ctr"/>
+            <a:r>
+              <a:rPr lang="en-US" dirty="0" smtClean="0"/>
+              <a:t>EDI red</a:t>
+            </a:r>
+          </a:p>
+          <a:p>
+            <a:pPr algn="ctr"/>
+            <a:r>
+              <a:rPr lang="en-US" dirty="0" smtClean="0"/>
+              <a:t>Claims</a:t>
+            </a:r>
+            <a:endParaRPr lang="en-US" dirty="0"/>
+          </a:p>
+        </p:txBody>
+      </p:sp>
+      <p:cxnSp>
+        <p:nvCxnSpPr>
+          <p:cNvPr id="6" name="Elbow Connector 5"/>
+          <p:cNvCxnSpPr>
+            <a:stCxn id="8" idx="2"/>
+            <a:endCxn id="5" idx="1"/>
+          </p:cNvCxnSpPr>
+          <p:nvPr/>
+        </p:nvCxnSpPr>
+        <p:spPr>
+          <a:xfrm rot="16200000" flipH="1">
+            <a:off x="438150" y="1543050"/>
+            <a:ext cx="2247900" cy="990600"/>
           </a:xfrm>
           <a:prstGeom prst="bentConnector2">
             <a:avLst/>
